--- a/Post It.pptx
+++ b/Post It.pptx
@@ -112,6 +112,22 @@
       </a:defRPr>
     </a:lvl9pPr>
   </p:defaultTextStyle>
+  <p:extLst>
+    <p:ext uri="{EFAFB233-063F-42B5-8137-9DF3F51BA10A}">
+      <p15:sldGuideLst xmlns:p15="http://schemas.microsoft.com/office/powerpoint/2012/main">
+        <p15:guide id="1" orient="horz" pos="2160">
+          <p15:clr>
+            <a:srgbClr val="A4A3A4"/>
+          </p15:clr>
+        </p15:guide>
+        <p15:guide id="2" pos="2880">
+          <p15:clr>
+            <a:srgbClr val="A4A3A4"/>
+          </p15:clr>
+        </p15:guide>
+      </p15:sldGuideLst>
+    </p:ext>
+  </p:extLst>
 </p:presentation>
 </file>
 
@@ -5132,10 +5148,30 @@
           <a:lstStyle/>
           <a:p>
             <a:r>
+              <a:rPr lang="en-US" dirty="0" smtClean="0">
+                <a:solidFill>
+                  <a:srgbClr val="7030A0"/>
+                </a:solidFill>
+              </a:rPr>
+              <a:t>Post</a:t>
+            </a:r>
+            <a:r>
               <a:rPr lang="en-US" dirty="0" smtClean="0"/>
-              <a:t>Post It</a:t>
-            </a:r>
-            <a:endParaRPr lang="ru-RU" dirty="0"/>
+              <a:t> </a:t>
+            </a:r>
+            <a:r>
+              <a:rPr lang="en-US" dirty="0" smtClean="0">
+                <a:solidFill>
+                  <a:srgbClr val="7030A0"/>
+                </a:solidFill>
+              </a:rPr>
+              <a:t>It</a:t>
+            </a:r>
+            <a:endParaRPr lang="ru-RU" dirty="0">
+              <a:solidFill>
+                <a:srgbClr val="7030A0"/>
+              </a:solidFill>
+            </a:endParaRPr>
           </a:p>
         </p:txBody>
       </p:sp>
@@ -5192,10 +5228,18 @@
           <a:lstStyle/>
           <a:p>
             <a:r>
-              <a:rPr lang="ru-RU" dirty="0" smtClean="0"/>
+              <a:rPr lang="ru-RU" dirty="0" smtClean="0">
+                <a:solidFill>
+                  <a:srgbClr val="7030A0"/>
+                </a:solidFill>
+              </a:rPr>
               <a:t>введение</a:t>
             </a:r>
-            <a:endParaRPr lang="ru-RU" dirty="0"/>
+            <a:endParaRPr lang="ru-RU" dirty="0">
+              <a:solidFill>
+                <a:srgbClr val="7030A0"/>
+              </a:solidFill>
+            </a:endParaRPr>
           </a:p>
         </p:txBody>
       </p:sp>
@@ -5351,10 +5395,18 @@
           <a:lstStyle/>
           <a:p>
             <a:r>
-              <a:rPr lang="ru-RU" dirty="0" smtClean="0"/>
+              <a:rPr lang="ru-RU" dirty="0" smtClean="0">
+                <a:solidFill>
+                  <a:srgbClr val="7030A0"/>
+                </a:solidFill>
+              </a:rPr>
               <a:t>Описание</a:t>
             </a:r>
-            <a:endParaRPr lang="ru-RU" dirty="0"/>
+            <a:endParaRPr lang="ru-RU" dirty="0">
+              <a:solidFill>
+                <a:srgbClr val="7030A0"/>
+              </a:solidFill>
+            </a:endParaRPr>
           </a:p>
         </p:txBody>
       </p:sp>
@@ -5399,7 +5451,7 @@
         </p:nvSpPr>
         <p:spPr>
           <a:xfrm>
-            <a:off x="2915816" y="1700808"/>
+            <a:off x="2915816" y="1719071"/>
             <a:ext cx="5770984" cy="4407408"/>
           </a:xfrm>
         </p:spPr>
@@ -5638,52 +5690,81 @@
           <a:lstStyle/>
           <a:p>
             <a:r>
-              <a:rPr lang="ru-RU" dirty="0" smtClean="0"/>
+              <a:rPr lang="ru-RU" dirty="0" smtClean="0">
+                <a:solidFill>
+                  <a:srgbClr val="7030A0"/>
+                </a:solidFill>
+              </a:rPr>
               <a:t>Демонстрация</a:t>
             </a:r>
+            <a:endParaRPr lang="ru-RU" dirty="0">
+              <a:solidFill>
+                <a:srgbClr val="7030A0"/>
+              </a:solidFill>
+            </a:endParaRPr>
+          </a:p>
+        </p:txBody>
+      </p:sp>
+      <p:sp>
+        <p:nvSpPr>
+          <p:cNvPr id="3" name="Объект 2"/>
+          <p:cNvSpPr>
+            <a:spLocks noGrp="1"/>
+          </p:cNvSpPr>
+          <p:nvPr>
+            <p:ph idx="1"/>
+          </p:nvPr>
+        </p:nvSpPr>
+        <p:spPr>
+          <a:xfrm>
+            <a:off x="179512" y="1700808"/>
+            <a:ext cx="8229600" cy="4373563"/>
+          </a:xfrm>
+        </p:spPr>
+        <p:txBody>
+          <a:bodyPr/>
+          <a:lstStyle/>
+          <a:p>
+            <a:pPr marL="685800" lvl="2" indent="0" algn="ctr">
+              <a:buNone/>
+            </a:pPr>
+            <a:endParaRPr lang="ru-RU" dirty="0" smtClean="0"/>
+          </a:p>
+          <a:p>
+            <a:pPr marL="685800" lvl="2" indent="0" algn="ctr">
+              <a:buNone/>
+            </a:pPr>
             <a:endParaRPr lang="ru-RU" dirty="0"/>
           </a:p>
-        </p:txBody>
-      </p:sp>
-      <p:sp>
-        <p:nvSpPr>
-          <p:cNvPr id="4" name="Объект 3"/>
-          <p:cNvSpPr>
-            <a:spLocks noGrp="1"/>
-          </p:cNvSpPr>
-          <p:nvPr>
-            <p:ph idx="1"/>
-          </p:nvPr>
-        </p:nvSpPr>
-        <p:spPr/>
-        <p:txBody>
-          <a:bodyPr/>
-          <a:lstStyle/>
-          <a:p>
-            <a:pPr algn="ctr"/>
-            <a:endParaRPr lang="en-US" dirty="0" smtClean="0"/>
-          </a:p>
-          <a:p>
-            <a:pPr algn="ctr"/>
-            <a:endParaRPr lang="en-US" dirty="0"/>
-          </a:p>
-          <a:p>
-            <a:pPr algn="ctr"/>
-            <a:endParaRPr lang="en-US" dirty="0" smtClean="0"/>
-          </a:p>
-          <a:p>
-            <a:pPr algn="ctr"/>
-            <a:endParaRPr lang="en-US" dirty="0"/>
-          </a:p>
-          <a:p>
-            <a:pPr marL="114300" indent="0" algn="ctr">
+          <a:p>
+            <a:pPr marL="685800" lvl="2" indent="0" algn="ctr">
               <a:buNone/>
             </a:pPr>
-            <a:r>
-              <a:rPr lang="en-US"/>
+            <a:endParaRPr lang="ru-RU" dirty="0" smtClean="0"/>
+          </a:p>
+          <a:p>
+            <a:pPr marL="685800" lvl="2" indent="0" algn="ctr">
+              <a:buNone/>
+            </a:pPr>
+            <a:endParaRPr lang="ru-RU" dirty="0"/>
+          </a:p>
+          <a:p>
+            <a:pPr marL="685800" lvl="2" indent="0" algn="ctr">
+              <a:buNone/>
+            </a:pPr>
+            <a:endParaRPr lang="ru-RU" dirty="0" smtClean="0"/>
+          </a:p>
+          <a:p>
+            <a:pPr marL="685800" lvl="2" indent="0" algn="ctr">
+              <a:buNone/>
+            </a:pPr>
+            <a:r>
+              <a:rPr lang="en-US" sz="4000" u="sng">
+                <a:hlinkClick r:id="rId2" tooltip="https://post-it-site.herokuapp.com/"/>
+              </a:rPr>
               <a:t>https://post-it-site.herokuapp.com/</a:t>
             </a:r>
-            <a:endParaRPr lang="ru-RU"/>
+            <a:endParaRPr lang="ru-RU" sz="4000" dirty="0"/>
           </a:p>
         </p:txBody>
       </p:sp>
@@ -5740,10 +5821,18 @@
           <a:lstStyle/>
           <a:p>
             <a:r>
-              <a:rPr lang="ru-RU" dirty="0" smtClean="0"/>
+              <a:rPr lang="ru-RU" dirty="0" smtClean="0">
+                <a:solidFill>
+                  <a:srgbClr val="7030A0"/>
+                </a:solidFill>
+              </a:rPr>
               <a:t>Заключение</a:t>
             </a:r>
-            <a:endParaRPr lang="ru-RU" dirty="0"/>
+            <a:endParaRPr lang="ru-RU" dirty="0">
+              <a:solidFill>
+                <a:srgbClr val="7030A0"/>
+              </a:solidFill>
+            </a:endParaRPr>
           </a:p>
         </p:txBody>
       </p:sp>
@@ -5884,29 +5973,18 @@
           <a:lstStyle/>
           <a:p>
             <a:r>
-              <a:rPr lang="ru-RU" dirty="0" smtClean="0"/>
+              <a:rPr lang="ru-RU" dirty="0" smtClean="0">
+                <a:solidFill>
+                  <a:srgbClr val="7030A0"/>
+                </a:solidFill>
+              </a:rPr>
               <a:t>Спасибо за внимание!</a:t>
             </a:r>
-            <a:endParaRPr lang="ru-RU" dirty="0"/>
-          </a:p>
-        </p:txBody>
-      </p:sp>
-      <p:sp>
-        <p:nvSpPr>
-          <p:cNvPr id="3" name="Текст 2"/>
-          <p:cNvSpPr>
-            <a:spLocks noGrp="1"/>
-          </p:cNvSpPr>
-          <p:nvPr>
-            <p:ph type="body" idx="1"/>
-          </p:nvPr>
-        </p:nvSpPr>
-        <p:spPr/>
-        <p:txBody>
-          <a:bodyPr/>
-          <a:lstStyle/>
-          <a:p>
-            <a:endParaRPr lang="ru-RU"/>
+            <a:endParaRPr lang="ru-RU" dirty="0">
+              <a:solidFill>
+                <a:srgbClr val="7030A0"/>
+              </a:solidFill>
+            </a:endParaRPr>
           </a:p>
         </p:txBody>
       </p:sp>
